--- a/Python.pptx
+++ b/Python.pptx
@@ -911,7 +911,7 @@
             <a:fld id="{52F73076-280E-4994-B9AF-08CB19D7A53F}" type="datetimeFigureOut">
               <a:rPr lang="en-US" smtClean="0"/>
               <a:pPr/>
-              <a:t>3/20/2018</a:t>
+              <a:t>3/26/2018</a:t>
             </a:fld>
             <a:endParaRPr lang="en-US" dirty="0"/>
           </a:p>
@@ -1363,7 +1363,7 @@
             <a:fld id="{52F73076-280E-4994-B9AF-08CB19D7A53F}" type="datetimeFigureOut">
               <a:rPr lang="en-US" smtClean="0"/>
               <a:pPr/>
-              <a:t>3/20/2018</a:t>
+              <a:t>3/26/2018</a:t>
             </a:fld>
             <a:endParaRPr lang="en-US" dirty="0"/>
           </a:p>
@@ -2583,7 +2583,7 @@
             <a:fld id="{52F73076-280E-4994-B9AF-08CB19D7A53F}" type="datetimeFigureOut">
               <a:rPr lang="en-US" smtClean="0"/>
               <a:pPr/>
-              <a:t>3/20/2018</a:t>
+              <a:t>3/26/2018</a:t>
             </a:fld>
             <a:endParaRPr lang="en-US" dirty="0"/>
           </a:p>
@@ -3008,7 +3008,7 @@
             <a:fld id="{52F73076-280E-4994-B9AF-08CB19D7A53F}" type="datetimeFigureOut">
               <a:rPr lang="en-US" smtClean="0"/>
               <a:pPr/>
-              <a:t>3/20/2018</a:t>
+              <a:t>3/26/2018</a:t>
             </a:fld>
             <a:endParaRPr lang="en-US" dirty="0"/>
           </a:p>
@@ -4143,7 +4143,7 @@
         </p:nvSpPr>
         <p:spPr>
           <a:xfrm>
-            <a:off x="228600" y="1828800"/>
+            <a:off x="228600" y="1777425"/>
             <a:ext cx="8686800" cy="584775"/>
           </a:xfrm>
           <a:prstGeom prst="rect">
@@ -4169,17 +4169,7 @@
                 <a:latin typeface="Consolas" panose="020B0609020204030204" pitchFamily="49" charset="0"/>
                 <a:cs typeface="Segoe UI Light" panose="020B0502040204020203" pitchFamily="34" charset="0"/>
               </a:rPr>
-              <a:t>&gt;&gt;&gt; x = </a:t>
-            </a:r>
-            <a:r>
-              <a:rPr lang="en-IN" sz="1600" dirty="0">
-                <a:solidFill>
-                  <a:srgbClr val="CDFF4F"/>
-                </a:solidFill>
-                <a:latin typeface="Consolas" panose="020B0609020204030204" pitchFamily="49" charset="0"/>
-                <a:cs typeface="Segoe UI Light" panose="020B0502040204020203" pitchFamily="34" charset="0"/>
-              </a:rPr>
-              <a:t>'</a:t>
+              <a:t>&gt;&gt;&gt; x = '</a:t>
             </a:r>
             <a:r>
               <a:rPr lang="en-IN" sz="1600" dirty="0" smtClean="0">
@@ -5850,11 +5840,7 @@
                     <a:p>
                       <a:r>
                         <a:rPr lang="en-IN" dirty="0" smtClean="0"/>
-                        <a:t>&gt;&gt;&gt; </a:t>
-                      </a:r>
-                      <a:r>
-                        <a:rPr lang="en-IN" dirty="0" smtClean="0"/>
-                        <a:t>print(x)</a:t>
+                        <a:t>&gt;&gt;&gt; print(x)</a:t>
                       </a:r>
                       <a:endParaRPr lang="en-IN" dirty="0"/>
                     </a:p>
@@ -5919,11 +5905,7 @@
                     <a:p>
                       <a:r>
                         <a:rPr lang="en-IN" dirty="0" smtClean="0"/>
-                        <a:t>&gt;&gt;&gt; </a:t>
-                      </a:r>
-                      <a:r>
-                        <a:rPr lang="en-IN" dirty="0" smtClean="0"/>
-                        <a:t>print(x * 2)</a:t>
+                        <a:t>&gt;&gt;&gt; print(x * 2)</a:t>
                       </a:r>
                       <a:endParaRPr lang="en-IN" dirty="0"/>
                     </a:p>
@@ -6009,11 +5991,7 @@
                     <a:p>
                       <a:r>
                         <a:rPr lang="en-IN" dirty="0" smtClean="0"/>
-                        <a:t>&gt;&gt;&gt; </a:t>
-                      </a:r>
-                      <a:r>
-                        <a:rPr lang="en-IN" dirty="0" smtClean="0"/>
-                        <a:t>print(x +" " + y);</a:t>
+                        <a:t>&gt;&gt;&gt; print(x +" " + y);</a:t>
                       </a:r>
                       <a:endParaRPr lang="en-IN" dirty="0"/>
                     </a:p>
@@ -6078,11 +6056,7 @@
                     <a:p>
                       <a:r>
                         <a:rPr lang="en-IN" dirty="0" smtClean="0"/>
-                        <a:t>&gt;&gt;&gt; </a:t>
-                      </a:r>
-                      <a:r>
-                        <a:rPr lang="en-IN" dirty="0" smtClean="0"/>
-                        <a:t>print(x[0:7])</a:t>
+                        <a:t>&gt;&gt;&gt; print(x[0:7])</a:t>
                       </a:r>
                     </a:p>
                     <a:p>
@@ -6290,17 +6264,7 @@
                 <a:latin typeface="Consolas" panose="020B0609020204030204" pitchFamily="49" charset="0"/>
                 <a:cs typeface="Segoe UI Light" panose="020B0502040204020203" pitchFamily="34" charset="0"/>
               </a:rPr>
-              <a:t>&gt;&gt;&gt; x = </a:t>
-            </a:r>
-            <a:r>
-              <a:rPr lang="en-IN" sz="1600" dirty="0">
-                <a:solidFill>
-                  <a:srgbClr val="CDFF4F"/>
-                </a:solidFill>
-                <a:latin typeface="Consolas" panose="020B0609020204030204" pitchFamily="49" charset="0"/>
-                <a:cs typeface="Segoe UI Light" panose="020B0502040204020203" pitchFamily="34" charset="0"/>
-              </a:rPr>
-              <a:t>'</a:t>
+              <a:t>&gt;&gt;&gt; x = '</a:t>
             </a:r>
             <a:r>
               <a:rPr lang="en-IN" sz="1600" dirty="0" smtClean="0">
@@ -6424,11 +6388,7 @@
                     <a:p>
                       <a:r>
                         <a:rPr lang="en-IN" dirty="0" smtClean="0"/>
-                        <a:t>&gt;&gt;&gt; </a:t>
-                      </a:r>
-                      <a:r>
-                        <a:rPr lang="en-IN" dirty="0" smtClean="0"/>
-                        <a:t>print(x)</a:t>
+                        <a:t>&gt;&gt;&gt; print(x)</a:t>
                       </a:r>
                       <a:endParaRPr lang="en-IN" dirty="0"/>
                     </a:p>
@@ -6493,11 +6453,7 @@
                     <a:p>
                       <a:r>
                         <a:rPr lang="en-IN" dirty="0" smtClean="0"/>
-                        <a:t>&gt;&gt;&gt; </a:t>
-                      </a:r>
-                      <a:r>
-                        <a:rPr lang="en-IN" dirty="0" smtClean="0"/>
-                        <a:t>print(x * 2)</a:t>
+                        <a:t>&gt;&gt;&gt; print(x * 2)</a:t>
                       </a:r>
                       <a:endParaRPr lang="en-IN" dirty="0"/>
                     </a:p>
@@ -6583,11 +6539,7 @@
                     <a:p>
                       <a:r>
                         <a:rPr lang="en-IN" dirty="0" smtClean="0"/>
-                        <a:t>&gt;&gt;&gt; </a:t>
-                      </a:r>
-                      <a:r>
-                        <a:rPr lang="en-IN" dirty="0" smtClean="0"/>
-                        <a:t>print(x +" " + y);</a:t>
+                        <a:t>&gt;&gt;&gt; print(x +" " + y);</a:t>
                       </a:r>
                       <a:endParaRPr lang="en-IN" dirty="0"/>
                     </a:p>
@@ -6652,11 +6604,7 @@
                     <a:p>
                       <a:r>
                         <a:rPr lang="en-IN" dirty="0" smtClean="0"/>
-                        <a:t>&gt;&gt;&gt; </a:t>
-                      </a:r>
-                      <a:r>
-                        <a:rPr lang="en-IN" dirty="0" smtClean="0"/>
-                        <a:t>print(x[0:7])</a:t>
+                        <a:t>&gt;&gt;&gt; print(x[0:7])</a:t>
                       </a:r>
                     </a:p>
                     <a:p>
@@ -7551,11 +7499,7 @@
                       </a:pPr>
                       <a:r>
                         <a:rPr lang="en-IN" dirty="0" smtClean="0"/>
-                        <a:t>&gt;&gt;&gt; print(fruits + units</a:t>
-                      </a:r>
-                      <a:r>
-                        <a:rPr lang="en-IN" dirty="0" smtClean="0"/>
-                        <a:t>)</a:t>
+                        <a:t>&gt;&gt;&gt; print(fruits + units)</a:t>
                       </a:r>
                     </a:p>
                     <a:p>
@@ -7580,7 +7524,6 @@
                         <a:rPr lang="en-IN" dirty="0" smtClean="0"/>
                         <a:t>&gt;&gt;&gt; fruits + units</a:t>
                       </a:r>
-                      <a:endParaRPr lang="en-IN" dirty="0" smtClean="0"/>
                     </a:p>
                   </a:txBody>
                   <a:tcPr/>
@@ -16602,27 +16545,7 @@
                 <a:latin typeface="Arial" panose="020B0604020202020204" pitchFamily="34" charset="0"/>
                 <a:cs typeface="Arial" panose="020B0604020202020204" pitchFamily="34" charset="0"/>
               </a:rPr>
-              <a:t>Some </a:t>
-            </a:r>
-            <a:r>
-              <a:rPr lang="en-IN" b="1" dirty="0">
-                <a:solidFill>
-                  <a:srgbClr val="C00000"/>
-                </a:solidFill>
-                <a:latin typeface="Arial" panose="020B0604020202020204" pitchFamily="34" charset="0"/>
-                <a:cs typeface="Arial" panose="020B0604020202020204" pitchFamily="34" charset="0"/>
-              </a:rPr>
-              <a:t>immutable (unchangeable) </a:t>
-            </a:r>
-            <a:r>
-              <a:rPr lang="en-IN" b="1" dirty="0">
-                <a:solidFill>
-                  <a:srgbClr val="C00000"/>
-                </a:solidFill>
-                <a:latin typeface="Arial" panose="020B0604020202020204" pitchFamily="34" charset="0"/>
-                <a:cs typeface="Arial" panose="020B0604020202020204" pitchFamily="34" charset="0"/>
-              </a:rPr>
-              <a:t>types</a:t>
+              <a:t>Some immutable (unchangeable) types</a:t>
             </a:r>
             <a:endParaRPr lang="en-IN" b="1" dirty="0" smtClean="0">
               <a:solidFill>
